--- a/ppt 16-9/0739.感恩的泪水.pptx
+++ b/ppt 16-9/0739.感恩的泪水.pptx
@@ -129,7 +129,7 @@
           <p:cNvPr id="2" name="标题 1">
             <a:extLst>
               <a:ext uri="{FF2B5EF4-FFF2-40B4-BE49-F238E27FC236}">
-                <a16:creationId xmlns:a16="http://schemas.microsoft.com/office/drawing/2014/main" id="{24C20245-BBCB-5592-B328-F16E3FF5384F}"/>
+                <a16:creationId xmlns:a16="http://schemas.microsoft.com/office/drawing/2014/main" id="{FBC3242B-BED3-D10F-C73D-2BD19D9C83EB}"/>
               </a:ext>
             </a:extLst>
           </p:cNvPr>
@@ -166,7 +166,7 @@
           <p:cNvPr id="3" name="副标题 2">
             <a:extLst>
               <a:ext uri="{FF2B5EF4-FFF2-40B4-BE49-F238E27FC236}">
-                <a16:creationId xmlns:a16="http://schemas.microsoft.com/office/drawing/2014/main" id="{AFA3798E-D064-4695-6DE2-505485701F78}"/>
+                <a16:creationId xmlns:a16="http://schemas.microsoft.com/office/drawing/2014/main" id="{5B58C666-0DDA-88C5-4841-F4541484EE97}"/>
               </a:ext>
             </a:extLst>
           </p:cNvPr>
@@ -236,7 +236,7 @@
           <p:cNvPr id="4" name="日期占位符 3">
             <a:extLst>
               <a:ext uri="{FF2B5EF4-FFF2-40B4-BE49-F238E27FC236}">
-                <a16:creationId xmlns:a16="http://schemas.microsoft.com/office/drawing/2014/main" id="{5D0A5632-10F9-095D-5BA2-78C76786E403}"/>
+                <a16:creationId xmlns:a16="http://schemas.microsoft.com/office/drawing/2014/main" id="{9CE5D05E-A36A-BD0C-7388-9E62040DF266}"/>
               </a:ext>
             </a:extLst>
           </p:cNvPr>
@@ -252,7 +252,7 @@
           <a:bodyPr/>
           <a:lstStyle/>
           <a:p>
-            <a:fld id="{3282F57D-AC9F-4768-ABD1-B2BF19724B8B}" type="datetimeFigureOut">
+            <a:fld id="{438E674B-0A66-44EA-98FC-2382D2DB1F03}" type="datetimeFigureOut">
               <a:rPr lang="zh-CN" altLang="en-US" smtClean="0"/>
               <a:t>2024/3/10</a:t>
             </a:fld>
@@ -265,7 +265,7 @@
           <p:cNvPr id="5" name="页脚占位符 4">
             <a:extLst>
               <a:ext uri="{FF2B5EF4-FFF2-40B4-BE49-F238E27FC236}">
-                <a16:creationId xmlns:a16="http://schemas.microsoft.com/office/drawing/2014/main" id="{B3B2ABB4-CEA8-0733-8B9F-0A5D9013CB94}"/>
+                <a16:creationId xmlns:a16="http://schemas.microsoft.com/office/drawing/2014/main" id="{D1B8A01E-CF61-B7D7-1450-6BE7192C691C}"/>
               </a:ext>
             </a:extLst>
           </p:cNvPr>
@@ -290,7 +290,7 @@
           <p:cNvPr id="6" name="灯片编号占位符 5">
             <a:extLst>
               <a:ext uri="{FF2B5EF4-FFF2-40B4-BE49-F238E27FC236}">
-                <a16:creationId xmlns:a16="http://schemas.microsoft.com/office/drawing/2014/main" id="{82AE20A6-7D5C-B496-4405-F9EE00D15646}"/>
+                <a16:creationId xmlns:a16="http://schemas.microsoft.com/office/drawing/2014/main" id="{47102208-9A94-9BCC-025D-E1DB380EBB80}"/>
               </a:ext>
             </a:extLst>
           </p:cNvPr>
@@ -306,7 +306,7 @@
           <a:bodyPr/>
           <a:lstStyle/>
           <a:p>
-            <a:fld id="{064F4103-C7AA-4F6B-91EF-41F2E303B712}" type="slidenum">
+            <a:fld id="{FBCAA0B6-DE60-452F-8923-87E4C6F95BB6}" type="slidenum">
               <a:rPr lang="zh-CN" altLang="en-US" smtClean="0"/>
               <a:t>‹#›</a:t>
             </a:fld>
@@ -317,7 +317,7 @@
     </p:spTree>
     <p:extLst>
       <p:ext uri="{BB962C8B-B14F-4D97-AF65-F5344CB8AC3E}">
-        <p14:creationId xmlns:p14="http://schemas.microsoft.com/office/powerpoint/2010/main" val="720279501"/>
+        <p14:creationId xmlns:p14="http://schemas.microsoft.com/office/powerpoint/2010/main" val="2211802019"/>
       </p:ext>
     </p:extLst>
   </p:cSld>
@@ -349,7 +349,7 @@
           <p:cNvPr id="2" name="标题 1">
             <a:extLst>
               <a:ext uri="{FF2B5EF4-FFF2-40B4-BE49-F238E27FC236}">
-                <a16:creationId xmlns:a16="http://schemas.microsoft.com/office/drawing/2014/main" id="{C42DEFC8-7CBC-2EA3-9268-5F4D9E11203B}"/>
+                <a16:creationId xmlns:a16="http://schemas.microsoft.com/office/drawing/2014/main" id="{C604C7E9-6BB8-DE39-404C-322F7A4D3BDB}"/>
               </a:ext>
             </a:extLst>
           </p:cNvPr>
@@ -377,7 +377,7 @@
           <p:cNvPr id="3" name="竖排文字占位符 2">
             <a:extLst>
               <a:ext uri="{FF2B5EF4-FFF2-40B4-BE49-F238E27FC236}">
-                <a16:creationId xmlns:a16="http://schemas.microsoft.com/office/drawing/2014/main" id="{AFD7F0C1-B265-A684-D1D3-2623F3571BD1}"/>
+                <a16:creationId xmlns:a16="http://schemas.microsoft.com/office/drawing/2014/main" id="{AC8947E5-57EB-0E74-6D4E-A531E2ED93B1}"/>
               </a:ext>
             </a:extLst>
           </p:cNvPr>
@@ -434,7 +434,7 @@
           <p:cNvPr id="4" name="日期占位符 3">
             <a:extLst>
               <a:ext uri="{FF2B5EF4-FFF2-40B4-BE49-F238E27FC236}">
-                <a16:creationId xmlns:a16="http://schemas.microsoft.com/office/drawing/2014/main" id="{EEA292FE-FE56-2726-CEE1-1E0764FBA455}"/>
+                <a16:creationId xmlns:a16="http://schemas.microsoft.com/office/drawing/2014/main" id="{B7CACC64-CF78-F562-E943-A795747934B0}"/>
               </a:ext>
             </a:extLst>
           </p:cNvPr>
@@ -450,7 +450,7 @@
           <a:bodyPr/>
           <a:lstStyle/>
           <a:p>
-            <a:fld id="{3282F57D-AC9F-4768-ABD1-B2BF19724B8B}" type="datetimeFigureOut">
+            <a:fld id="{438E674B-0A66-44EA-98FC-2382D2DB1F03}" type="datetimeFigureOut">
               <a:rPr lang="zh-CN" altLang="en-US" smtClean="0"/>
               <a:t>2024/3/10</a:t>
             </a:fld>
@@ -463,7 +463,7 @@
           <p:cNvPr id="5" name="页脚占位符 4">
             <a:extLst>
               <a:ext uri="{FF2B5EF4-FFF2-40B4-BE49-F238E27FC236}">
-                <a16:creationId xmlns:a16="http://schemas.microsoft.com/office/drawing/2014/main" id="{9D34603E-0B0F-41A7-309B-C040D3608988}"/>
+                <a16:creationId xmlns:a16="http://schemas.microsoft.com/office/drawing/2014/main" id="{3C1C7D78-B18C-FA9B-BE83-1EE381729F73}"/>
               </a:ext>
             </a:extLst>
           </p:cNvPr>
@@ -488,7 +488,7 @@
           <p:cNvPr id="6" name="灯片编号占位符 5">
             <a:extLst>
               <a:ext uri="{FF2B5EF4-FFF2-40B4-BE49-F238E27FC236}">
-                <a16:creationId xmlns:a16="http://schemas.microsoft.com/office/drawing/2014/main" id="{21EEE114-F5F5-0ECC-AD5C-C9FF94D73635}"/>
+                <a16:creationId xmlns:a16="http://schemas.microsoft.com/office/drawing/2014/main" id="{623D53F8-37BA-3895-940A-2FD9EF88D2C4}"/>
               </a:ext>
             </a:extLst>
           </p:cNvPr>
@@ -504,7 +504,7 @@
           <a:bodyPr/>
           <a:lstStyle/>
           <a:p>
-            <a:fld id="{064F4103-C7AA-4F6B-91EF-41F2E303B712}" type="slidenum">
+            <a:fld id="{FBCAA0B6-DE60-452F-8923-87E4C6F95BB6}" type="slidenum">
               <a:rPr lang="zh-CN" altLang="en-US" smtClean="0"/>
               <a:t>‹#›</a:t>
             </a:fld>
@@ -515,7 +515,7 @@
     </p:spTree>
     <p:extLst>
       <p:ext uri="{BB962C8B-B14F-4D97-AF65-F5344CB8AC3E}">
-        <p14:creationId xmlns:p14="http://schemas.microsoft.com/office/powerpoint/2010/main" val="3172926764"/>
+        <p14:creationId xmlns:p14="http://schemas.microsoft.com/office/powerpoint/2010/main" val="1751674581"/>
       </p:ext>
     </p:extLst>
   </p:cSld>
@@ -547,7 +547,7 @@
           <p:cNvPr id="2" name="竖排标题 1">
             <a:extLst>
               <a:ext uri="{FF2B5EF4-FFF2-40B4-BE49-F238E27FC236}">
-                <a16:creationId xmlns:a16="http://schemas.microsoft.com/office/drawing/2014/main" id="{CD8C238E-AE37-DD2F-F5C4-47985F1707CD}"/>
+                <a16:creationId xmlns:a16="http://schemas.microsoft.com/office/drawing/2014/main" id="{4CA94276-95C5-5BC6-09A7-61B2185A49E4}"/>
               </a:ext>
             </a:extLst>
           </p:cNvPr>
@@ -580,7 +580,7 @@
           <p:cNvPr id="3" name="竖排文字占位符 2">
             <a:extLst>
               <a:ext uri="{FF2B5EF4-FFF2-40B4-BE49-F238E27FC236}">
-                <a16:creationId xmlns:a16="http://schemas.microsoft.com/office/drawing/2014/main" id="{CCE8B95C-9214-1AC1-CCEF-9C021333F2F4}"/>
+                <a16:creationId xmlns:a16="http://schemas.microsoft.com/office/drawing/2014/main" id="{D02127A1-96CF-595A-7DC4-6A62DF96C590}"/>
               </a:ext>
             </a:extLst>
           </p:cNvPr>
@@ -642,7 +642,7 @@
           <p:cNvPr id="4" name="日期占位符 3">
             <a:extLst>
               <a:ext uri="{FF2B5EF4-FFF2-40B4-BE49-F238E27FC236}">
-                <a16:creationId xmlns:a16="http://schemas.microsoft.com/office/drawing/2014/main" id="{26443B04-9821-51BE-E6D9-562D339711EB}"/>
+                <a16:creationId xmlns:a16="http://schemas.microsoft.com/office/drawing/2014/main" id="{1F5B2A85-9144-D41E-3767-65A86F957487}"/>
               </a:ext>
             </a:extLst>
           </p:cNvPr>
@@ -658,7 +658,7 @@
           <a:bodyPr/>
           <a:lstStyle/>
           <a:p>
-            <a:fld id="{3282F57D-AC9F-4768-ABD1-B2BF19724B8B}" type="datetimeFigureOut">
+            <a:fld id="{438E674B-0A66-44EA-98FC-2382D2DB1F03}" type="datetimeFigureOut">
               <a:rPr lang="zh-CN" altLang="en-US" smtClean="0"/>
               <a:t>2024/3/10</a:t>
             </a:fld>
@@ -671,7 +671,7 @@
           <p:cNvPr id="5" name="页脚占位符 4">
             <a:extLst>
               <a:ext uri="{FF2B5EF4-FFF2-40B4-BE49-F238E27FC236}">
-                <a16:creationId xmlns:a16="http://schemas.microsoft.com/office/drawing/2014/main" id="{0ED83401-E983-886E-FAD5-D2538ABDF651}"/>
+                <a16:creationId xmlns:a16="http://schemas.microsoft.com/office/drawing/2014/main" id="{F907700E-3988-AF3D-235D-90C8CD8F172B}"/>
               </a:ext>
             </a:extLst>
           </p:cNvPr>
@@ -696,7 +696,7 @@
           <p:cNvPr id="6" name="灯片编号占位符 5">
             <a:extLst>
               <a:ext uri="{FF2B5EF4-FFF2-40B4-BE49-F238E27FC236}">
-                <a16:creationId xmlns:a16="http://schemas.microsoft.com/office/drawing/2014/main" id="{6961A0DA-4C51-04FD-755D-4CBF70CA2FAF}"/>
+                <a16:creationId xmlns:a16="http://schemas.microsoft.com/office/drawing/2014/main" id="{C7304025-D2A5-B0AE-334B-B25A7D1B9317}"/>
               </a:ext>
             </a:extLst>
           </p:cNvPr>
@@ -712,7 +712,7 @@
           <a:bodyPr/>
           <a:lstStyle/>
           <a:p>
-            <a:fld id="{064F4103-C7AA-4F6B-91EF-41F2E303B712}" type="slidenum">
+            <a:fld id="{FBCAA0B6-DE60-452F-8923-87E4C6F95BB6}" type="slidenum">
               <a:rPr lang="zh-CN" altLang="en-US" smtClean="0"/>
               <a:t>‹#›</a:t>
             </a:fld>
@@ -723,7 +723,7 @@
     </p:spTree>
     <p:extLst>
       <p:ext uri="{BB962C8B-B14F-4D97-AF65-F5344CB8AC3E}">
-        <p14:creationId xmlns:p14="http://schemas.microsoft.com/office/powerpoint/2010/main" val="2417311523"/>
+        <p14:creationId xmlns:p14="http://schemas.microsoft.com/office/powerpoint/2010/main" val="1006975108"/>
       </p:ext>
     </p:extLst>
   </p:cSld>
@@ -755,7 +755,7 @@
           <p:cNvPr id="2" name="标题 1">
             <a:extLst>
               <a:ext uri="{FF2B5EF4-FFF2-40B4-BE49-F238E27FC236}">
-                <a16:creationId xmlns:a16="http://schemas.microsoft.com/office/drawing/2014/main" id="{A492FA38-82A0-7906-6DA6-75AE05551B4C}"/>
+                <a16:creationId xmlns:a16="http://schemas.microsoft.com/office/drawing/2014/main" id="{132FB6F5-7D0B-47C7-3FD3-4636CB245AA8}"/>
               </a:ext>
             </a:extLst>
           </p:cNvPr>
@@ -783,7 +783,7 @@
           <p:cNvPr id="3" name="内容占位符 2">
             <a:extLst>
               <a:ext uri="{FF2B5EF4-FFF2-40B4-BE49-F238E27FC236}">
-                <a16:creationId xmlns:a16="http://schemas.microsoft.com/office/drawing/2014/main" id="{BABF2C62-D934-08B2-C9A1-6A87F321D11A}"/>
+                <a16:creationId xmlns:a16="http://schemas.microsoft.com/office/drawing/2014/main" id="{D671BC41-FA56-5824-27B5-6877DA474EB9}"/>
               </a:ext>
             </a:extLst>
           </p:cNvPr>
@@ -840,7 +840,7 @@
           <p:cNvPr id="4" name="日期占位符 3">
             <a:extLst>
               <a:ext uri="{FF2B5EF4-FFF2-40B4-BE49-F238E27FC236}">
-                <a16:creationId xmlns:a16="http://schemas.microsoft.com/office/drawing/2014/main" id="{81D2911E-C0AC-2408-AE44-2A7B5C37C135}"/>
+                <a16:creationId xmlns:a16="http://schemas.microsoft.com/office/drawing/2014/main" id="{1783990B-A2B3-0BC8-7699-F76312775C2C}"/>
               </a:ext>
             </a:extLst>
           </p:cNvPr>
@@ -856,7 +856,7 @@
           <a:bodyPr/>
           <a:lstStyle/>
           <a:p>
-            <a:fld id="{3282F57D-AC9F-4768-ABD1-B2BF19724B8B}" type="datetimeFigureOut">
+            <a:fld id="{438E674B-0A66-44EA-98FC-2382D2DB1F03}" type="datetimeFigureOut">
               <a:rPr lang="zh-CN" altLang="en-US" smtClean="0"/>
               <a:t>2024/3/10</a:t>
             </a:fld>
@@ -869,7 +869,7 @@
           <p:cNvPr id="5" name="页脚占位符 4">
             <a:extLst>
               <a:ext uri="{FF2B5EF4-FFF2-40B4-BE49-F238E27FC236}">
-                <a16:creationId xmlns:a16="http://schemas.microsoft.com/office/drawing/2014/main" id="{1EEA52BF-85FC-C626-D625-6630B8040D58}"/>
+                <a16:creationId xmlns:a16="http://schemas.microsoft.com/office/drawing/2014/main" id="{DD91DCEC-4994-7010-BC54-529042AFA2EA}"/>
               </a:ext>
             </a:extLst>
           </p:cNvPr>
@@ -894,7 +894,7 @@
           <p:cNvPr id="6" name="灯片编号占位符 5">
             <a:extLst>
               <a:ext uri="{FF2B5EF4-FFF2-40B4-BE49-F238E27FC236}">
-                <a16:creationId xmlns:a16="http://schemas.microsoft.com/office/drawing/2014/main" id="{06244A97-84AC-E523-2829-60CE6369F8AC}"/>
+                <a16:creationId xmlns:a16="http://schemas.microsoft.com/office/drawing/2014/main" id="{C303232A-532E-6F66-B278-C6B638D8A376}"/>
               </a:ext>
             </a:extLst>
           </p:cNvPr>
@@ -910,7 +910,7 @@
           <a:bodyPr/>
           <a:lstStyle/>
           <a:p>
-            <a:fld id="{064F4103-C7AA-4F6B-91EF-41F2E303B712}" type="slidenum">
+            <a:fld id="{FBCAA0B6-DE60-452F-8923-87E4C6F95BB6}" type="slidenum">
               <a:rPr lang="zh-CN" altLang="en-US" smtClean="0"/>
               <a:t>‹#›</a:t>
             </a:fld>
@@ -921,7 +921,7 @@
     </p:spTree>
     <p:extLst>
       <p:ext uri="{BB962C8B-B14F-4D97-AF65-F5344CB8AC3E}">
-        <p14:creationId xmlns:p14="http://schemas.microsoft.com/office/powerpoint/2010/main" val="794710983"/>
+        <p14:creationId xmlns:p14="http://schemas.microsoft.com/office/powerpoint/2010/main" val="3078254396"/>
       </p:ext>
     </p:extLst>
   </p:cSld>
@@ -953,7 +953,7 @@
           <p:cNvPr id="2" name="标题 1">
             <a:extLst>
               <a:ext uri="{FF2B5EF4-FFF2-40B4-BE49-F238E27FC236}">
-                <a16:creationId xmlns:a16="http://schemas.microsoft.com/office/drawing/2014/main" id="{7348495E-37A6-6EC0-F510-77B52CE1A3F5}"/>
+                <a16:creationId xmlns:a16="http://schemas.microsoft.com/office/drawing/2014/main" id="{CE4F6DC3-AED3-B16F-25C1-B507C1EB224A}"/>
               </a:ext>
             </a:extLst>
           </p:cNvPr>
@@ -990,7 +990,7 @@
           <p:cNvPr id="3" name="文本占位符 2">
             <a:extLst>
               <a:ext uri="{FF2B5EF4-FFF2-40B4-BE49-F238E27FC236}">
-                <a16:creationId xmlns:a16="http://schemas.microsoft.com/office/drawing/2014/main" id="{93848DB7-2562-B76C-01C1-7A120AA670D8}"/>
+                <a16:creationId xmlns:a16="http://schemas.microsoft.com/office/drawing/2014/main" id="{AF607D28-8DBB-A5D0-5EAE-AE018E53E344}"/>
               </a:ext>
             </a:extLst>
           </p:cNvPr>
@@ -1115,7 +1115,7 @@
           <p:cNvPr id="4" name="日期占位符 3">
             <a:extLst>
               <a:ext uri="{FF2B5EF4-FFF2-40B4-BE49-F238E27FC236}">
-                <a16:creationId xmlns:a16="http://schemas.microsoft.com/office/drawing/2014/main" id="{3BC473B1-833F-F17A-8816-F0DDE5E3F61E}"/>
+                <a16:creationId xmlns:a16="http://schemas.microsoft.com/office/drawing/2014/main" id="{9B59C866-59E5-7D6E-9EF0-DEAE2E6CD06A}"/>
               </a:ext>
             </a:extLst>
           </p:cNvPr>
@@ -1131,7 +1131,7 @@
           <a:bodyPr/>
           <a:lstStyle/>
           <a:p>
-            <a:fld id="{3282F57D-AC9F-4768-ABD1-B2BF19724B8B}" type="datetimeFigureOut">
+            <a:fld id="{438E674B-0A66-44EA-98FC-2382D2DB1F03}" type="datetimeFigureOut">
               <a:rPr lang="zh-CN" altLang="en-US" smtClean="0"/>
               <a:t>2024/3/10</a:t>
             </a:fld>
@@ -1144,7 +1144,7 @@
           <p:cNvPr id="5" name="页脚占位符 4">
             <a:extLst>
               <a:ext uri="{FF2B5EF4-FFF2-40B4-BE49-F238E27FC236}">
-                <a16:creationId xmlns:a16="http://schemas.microsoft.com/office/drawing/2014/main" id="{FBC84974-C047-EAA1-89E7-A50BDECF4E9E}"/>
+                <a16:creationId xmlns:a16="http://schemas.microsoft.com/office/drawing/2014/main" id="{AF371A99-28D4-25DD-584E-57B749987D92}"/>
               </a:ext>
             </a:extLst>
           </p:cNvPr>
@@ -1169,7 +1169,7 @@
           <p:cNvPr id="6" name="灯片编号占位符 5">
             <a:extLst>
               <a:ext uri="{FF2B5EF4-FFF2-40B4-BE49-F238E27FC236}">
-                <a16:creationId xmlns:a16="http://schemas.microsoft.com/office/drawing/2014/main" id="{6D1EBA67-621B-A64C-778A-83F7A5C0FFF9}"/>
+                <a16:creationId xmlns:a16="http://schemas.microsoft.com/office/drawing/2014/main" id="{94662AAE-5A39-4A15-348C-FF91DD64B6B0}"/>
               </a:ext>
             </a:extLst>
           </p:cNvPr>
@@ -1185,7 +1185,7 @@
           <a:bodyPr/>
           <a:lstStyle/>
           <a:p>
-            <a:fld id="{064F4103-C7AA-4F6B-91EF-41F2E303B712}" type="slidenum">
+            <a:fld id="{FBCAA0B6-DE60-452F-8923-87E4C6F95BB6}" type="slidenum">
               <a:rPr lang="zh-CN" altLang="en-US" smtClean="0"/>
               <a:t>‹#›</a:t>
             </a:fld>
@@ -1196,7 +1196,7 @@
     </p:spTree>
     <p:extLst>
       <p:ext uri="{BB962C8B-B14F-4D97-AF65-F5344CB8AC3E}">
-        <p14:creationId xmlns:p14="http://schemas.microsoft.com/office/powerpoint/2010/main" val="1882778092"/>
+        <p14:creationId xmlns:p14="http://schemas.microsoft.com/office/powerpoint/2010/main" val="4107042922"/>
       </p:ext>
     </p:extLst>
   </p:cSld>
@@ -1228,7 +1228,7 @@
           <p:cNvPr id="2" name="标题 1">
             <a:extLst>
               <a:ext uri="{FF2B5EF4-FFF2-40B4-BE49-F238E27FC236}">
-                <a16:creationId xmlns:a16="http://schemas.microsoft.com/office/drawing/2014/main" id="{E8E66DD6-F440-1993-CCAD-A3C4D7614429}"/>
+                <a16:creationId xmlns:a16="http://schemas.microsoft.com/office/drawing/2014/main" id="{3BAB828C-1323-9174-F355-5DB4D289087F}"/>
               </a:ext>
             </a:extLst>
           </p:cNvPr>
@@ -1256,7 +1256,7 @@
           <p:cNvPr id="3" name="内容占位符 2">
             <a:extLst>
               <a:ext uri="{FF2B5EF4-FFF2-40B4-BE49-F238E27FC236}">
-                <a16:creationId xmlns:a16="http://schemas.microsoft.com/office/drawing/2014/main" id="{DA90E634-AB0E-41E9-59F8-CE742B873683}"/>
+                <a16:creationId xmlns:a16="http://schemas.microsoft.com/office/drawing/2014/main" id="{0CF67ED0-94D8-58E6-4C82-1BA79550230A}"/>
               </a:ext>
             </a:extLst>
           </p:cNvPr>
@@ -1318,7 +1318,7 @@
           <p:cNvPr id="4" name="内容占位符 3">
             <a:extLst>
               <a:ext uri="{FF2B5EF4-FFF2-40B4-BE49-F238E27FC236}">
-                <a16:creationId xmlns:a16="http://schemas.microsoft.com/office/drawing/2014/main" id="{DA50A008-9DE1-B932-990F-EE5BACBDFA24}"/>
+                <a16:creationId xmlns:a16="http://schemas.microsoft.com/office/drawing/2014/main" id="{2159E6FF-F16F-7D85-6850-6EC7C659D3C1}"/>
               </a:ext>
             </a:extLst>
           </p:cNvPr>
@@ -1380,7 +1380,7 @@
           <p:cNvPr id="5" name="日期占位符 4">
             <a:extLst>
               <a:ext uri="{FF2B5EF4-FFF2-40B4-BE49-F238E27FC236}">
-                <a16:creationId xmlns:a16="http://schemas.microsoft.com/office/drawing/2014/main" id="{D2EBD03B-8893-F4DE-357C-67B7915FFF87}"/>
+                <a16:creationId xmlns:a16="http://schemas.microsoft.com/office/drawing/2014/main" id="{C22857AD-D5BF-5828-087C-99F4F479C0D7}"/>
               </a:ext>
             </a:extLst>
           </p:cNvPr>
@@ -1396,7 +1396,7 @@
           <a:bodyPr/>
           <a:lstStyle/>
           <a:p>
-            <a:fld id="{3282F57D-AC9F-4768-ABD1-B2BF19724B8B}" type="datetimeFigureOut">
+            <a:fld id="{438E674B-0A66-44EA-98FC-2382D2DB1F03}" type="datetimeFigureOut">
               <a:rPr lang="zh-CN" altLang="en-US" smtClean="0"/>
               <a:t>2024/3/10</a:t>
             </a:fld>
@@ -1409,7 +1409,7 @@
           <p:cNvPr id="6" name="页脚占位符 5">
             <a:extLst>
               <a:ext uri="{FF2B5EF4-FFF2-40B4-BE49-F238E27FC236}">
-                <a16:creationId xmlns:a16="http://schemas.microsoft.com/office/drawing/2014/main" id="{27CFFF09-782F-632B-39D9-438209D7E2C0}"/>
+                <a16:creationId xmlns:a16="http://schemas.microsoft.com/office/drawing/2014/main" id="{01D65BFD-E923-96D2-2DC3-90DF134A99AE}"/>
               </a:ext>
             </a:extLst>
           </p:cNvPr>
@@ -1434,7 +1434,7 @@
           <p:cNvPr id="7" name="灯片编号占位符 6">
             <a:extLst>
               <a:ext uri="{FF2B5EF4-FFF2-40B4-BE49-F238E27FC236}">
-                <a16:creationId xmlns:a16="http://schemas.microsoft.com/office/drawing/2014/main" id="{4D3A2700-2728-011B-98AE-07A62AB69AE3}"/>
+                <a16:creationId xmlns:a16="http://schemas.microsoft.com/office/drawing/2014/main" id="{996E45FA-4D60-A1D2-464C-76E546918783}"/>
               </a:ext>
             </a:extLst>
           </p:cNvPr>
@@ -1450,7 +1450,7 @@
           <a:bodyPr/>
           <a:lstStyle/>
           <a:p>
-            <a:fld id="{064F4103-C7AA-4F6B-91EF-41F2E303B712}" type="slidenum">
+            <a:fld id="{FBCAA0B6-DE60-452F-8923-87E4C6F95BB6}" type="slidenum">
               <a:rPr lang="zh-CN" altLang="en-US" smtClean="0"/>
               <a:t>‹#›</a:t>
             </a:fld>
@@ -1461,7 +1461,7 @@
     </p:spTree>
     <p:extLst>
       <p:ext uri="{BB962C8B-B14F-4D97-AF65-F5344CB8AC3E}">
-        <p14:creationId xmlns:p14="http://schemas.microsoft.com/office/powerpoint/2010/main" val="3609191287"/>
+        <p14:creationId xmlns:p14="http://schemas.microsoft.com/office/powerpoint/2010/main" val="1066894359"/>
       </p:ext>
     </p:extLst>
   </p:cSld>
@@ -1493,7 +1493,7 @@
           <p:cNvPr id="2" name="标题 1">
             <a:extLst>
               <a:ext uri="{FF2B5EF4-FFF2-40B4-BE49-F238E27FC236}">
-                <a16:creationId xmlns:a16="http://schemas.microsoft.com/office/drawing/2014/main" id="{D443DDE6-841B-B42F-D3EF-D6971BF20A17}"/>
+                <a16:creationId xmlns:a16="http://schemas.microsoft.com/office/drawing/2014/main" id="{5BB3D0F5-0B68-B2E5-7991-7A278713993F}"/>
               </a:ext>
             </a:extLst>
           </p:cNvPr>
@@ -1526,7 +1526,7 @@
           <p:cNvPr id="3" name="文本占位符 2">
             <a:extLst>
               <a:ext uri="{FF2B5EF4-FFF2-40B4-BE49-F238E27FC236}">
-                <a16:creationId xmlns:a16="http://schemas.microsoft.com/office/drawing/2014/main" id="{173FC632-9DB3-8413-74AD-2F32F671EBA1}"/>
+                <a16:creationId xmlns:a16="http://schemas.microsoft.com/office/drawing/2014/main" id="{F23EFD96-4EEA-5B5C-61D1-F3D537765B9B}"/>
               </a:ext>
             </a:extLst>
           </p:cNvPr>
@@ -1597,7 +1597,7 @@
           <p:cNvPr id="4" name="内容占位符 3">
             <a:extLst>
               <a:ext uri="{FF2B5EF4-FFF2-40B4-BE49-F238E27FC236}">
-                <a16:creationId xmlns:a16="http://schemas.microsoft.com/office/drawing/2014/main" id="{DADF58E5-A98F-2A65-34B7-071F9E6953E5}"/>
+                <a16:creationId xmlns:a16="http://schemas.microsoft.com/office/drawing/2014/main" id="{88C1BFDA-1132-933A-5F5F-814C673009F6}"/>
               </a:ext>
             </a:extLst>
           </p:cNvPr>
@@ -1659,7 +1659,7 @@
           <p:cNvPr id="5" name="文本占位符 4">
             <a:extLst>
               <a:ext uri="{FF2B5EF4-FFF2-40B4-BE49-F238E27FC236}">
-                <a16:creationId xmlns:a16="http://schemas.microsoft.com/office/drawing/2014/main" id="{F319A2DE-F9D2-0486-AC62-27DA6F10E6FD}"/>
+                <a16:creationId xmlns:a16="http://schemas.microsoft.com/office/drawing/2014/main" id="{0AE8D130-C0A0-1901-3B08-133487F27EE0}"/>
               </a:ext>
             </a:extLst>
           </p:cNvPr>
@@ -1730,7 +1730,7 @@
           <p:cNvPr id="6" name="内容占位符 5">
             <a:extLst>
               <a:ext uri="{FF2B5EF4-FFF2-40B4-BE49-F238E27FC236}">
-                <a16:creationId xmlns:a16="http://schemas.microsoft.com/office/drawing/2014/main" id="{63445888-280B-AD1A-1A48-69A3EEFF90BA}"/>
+                <a16:creationId xmlns:a16="http://schemas.microsoft.com/office/drawing/2014/main" id="{DCF07E5C-AC48-A3EC-1106-61A9D687CA6C}"/>
               </a:ext>
             </a:extLst>
           </p:cNvPr>
@@ -1792,7 +1792,7 @@
           <p:cNvPr id="7" name="日期占位符 6">
             <a:extLst>
               <a:ext uri="{FF2B5EF4-FFF2-40B4-BE49-F238E27FC236}">
-                <a16:creationId xmlns:a16="http://schemas.microsoft.com/office/drawing/2014/main" id="{0D513A7F-6583-007C-B9DE-D721D59846A1}"/>
+                <a16:creationId xmlns:a16="http://schemas.microsoft.com/office/drawing/2014/main" id="{40826871-7693-3813-C7E3-1C2B5AA85B45}"/>
               </a:ext>
             </a:extLst>
           </p:cNvPr>
@@ -1808,7 +1808,7 @@
           <a:bodyPr/>
           <a:lstStyle/>
           <a:p>
-            <a:fld id="{3282F57D-AC9F-4768-ABD1-B2BF19724B8B}" type="datetimeFigureOut">
+            <a:fld id="{438E674B-0A66-44EA-98FC-2382D2DB1F03}" type="datetimeFigureOut">
               <a:rPr lang="zh-CN" altLang="en-US" smtClean="0"/>
               <a:t>2024/3/10</a:t>
             </a:fld>
@@ -1821,7 +1821,7 @@
           <p:cNvPr id="8" name="页脚占位符 7">
             <a:extLst>
               <a:ext uri="{FF2B5EF4-FFF2-40B4-BE49-F238E27FC236}">
-                <a16:creationId xmlns:a16="http://schemas.microsoft.com/office/drawing/2014/main" id="{E1A40FD4-D063-D00B-8A3C-6A27F5AAF39F}"/>
+                <a16:creationId xmlns:a16="http://schemas.microsoft.com/office/drawing/2014/main" id="{47DA526E-01E7-B95D-62AC-71A0F7C4DE8C}"/>
               </a:ext>
             </a:extLst>
           </p:cNvPr>
@@ -1846,7 +1846,7 @@
           <p:cNvPr id="9" name="灯片编号占位符 8">
             <a:extLst>
               <a:ext uri="{FF2B5EF4-FFF2-40B4-BE49-F238E27FC236}">
-                <a16:creationId xmlns:a16="http://schemas.microsoft.com/office/drawing/2014/main" id="{7418D3EE-1AFA-22E5-1AC8-36ED34F89127}"/>
+                <a16:creationId xmlns:a16="http://schemas.microsoft.com/office/drawing/2014/main" id="{79240C50-59EE-14BD-B25C-1FFCA5FE4643}"/>
               </a:ext>
             </a:extLst>
           </p:cNvPr>
@@ -1862,7 +1862,7 @@
           <a:bodyPr/>
           <a:lstStyle/>
           <a:p>
-            <a:fld id="{064F4103-C7AA-4F6B-91EF-41F2E303B712}" type="slidenum">
+            <a:fld id="{FBCAA0B6-DE60-452F-8923-87E4C6F95BB6}" type="slidenum">
               <a:rPr lang="zh-CN" altLang="en-US" smtClean="0"/>
               <a:t>‹#›</a:t>
             </a:fld>
@@ -1873,7 +1873,7 @@
     </p:spTree>
     <p:extLst>
       <p:ext uri="{BB962C8B-B14F-4D97-AF65-F5344CB8AC3E}">
-        <p14:creationId xmlns:p14="http://schemas.microsoft.com/office/powerpoint/2010/main" val="1250956428"/>
+        <p14:creationId xmlns:p14="http://schemas.microsoft.com/office/powerpoint/2010/main" val="91153505"/>
       </p:ext>
     </p:extLst>
   </p:cSld>
@@ -1905,7 +1905,7 @@
           <p:cNvPr id="2" name="标题 1">
             <a:extLst>
               <a:ext uri="{FF2B5EF4-FFF2-40B4-BE49-F238E27FC236}">
-                <a16:creationId xmlns:a16="http://schemas.microsoft.com/office/drawing/2014/main" id="{14ADBCCE-3308-1CEE-7A0F-F22CE015C478}"/>
+                <a16:creationId xmlns:a16="http://schemas.microsoft.com/office/drawing/2014/main" id="{AE6168AC-B9D9-A855-4A6E-6A674F270D16}"/>
               </a:ext>
             </a:extLst>
           </p:cNvPr>
@@ -1933,7 +1933,7 @@
           <p:cNvPr id="3" name="日期占位符 2">
             <a:extLst>
               <a:ext uri="{FF2B5EF4-FFF2-40B4-BE49-F238E27FC236}">
-                <a16:creationId xmlns:a16="http://schemas.microsoft.com/office/drawing/2014/main" id="{82B945F5-A061-C1B5-11A3-CA69C286D25C}"/>
+                <a16:creationId xmlns:a16="http://schemas.microsoft.com/office/drawing/2014/main" id="{676B2206-3ED5-84CF-D931-D3B78296DFC6}"/>
               </a:ext>
             </a:extLst>
           </p:cNvPr>
@@ -1949,7 +1949,7 @@
           <a:bodyPr/>
           <a:lstStyle/>
           <a:p>
-            <a:fld id="{3282F57D-AC9F-4768-ABD1-B2BF19724B8B}" type="datetimeFigureOut">
+            <a:fld id="{438E674B-0A66-44EA-98FC-2382D2DB1F03}" type="datetimeFigureOut">
               <a:rPr lang="zh-CN" altLang="en-US" smtClean="0"/>
               <a:t>2024/3/10</a:t>
             </a:fld>
@@ -1962,7 +1962,7 @@
           <p:cNvPr id="4" name="页脚占位符 3">
             <a:extLst>
               <a:ext uri="{FF2B5EF4-FFF2-40B4-BE49-F238E27FC236}">
-                <a16:creationId xmlns:a16="http://schemas.microsoft.com/office/drawing/2014/main" id="{27CE3BD9-F08C-675D-4967-FEA36FBD5C6C}"/>
+                <a16:creationId xmlns:a16="http://schemas.microsoft.com/office/drawing/2014/main" id="{7009D637-A843-77D7-F8E3-17997C40D770}"/>
               </a:ext>
             </a:extLst>
           </p:cNvPr>
@@ -1987,7 +1987,7 @@
           <p:cNvPr id="5" name="灯片编号占位符 4">
             <a:extLst>
               <a:ext uri="{FF2B5EF4-FFF2-40B4-BE49-F238E27FC236}">
-                <a16:creationId xmlns:a16="http://schemas.microsoft.com/office/drawing/2014/main" id="{332AAF9B-378E-C332-F543-30DF03C00AE8}"/>
+                <a16:creationId xmlns:a16="http://schemas.microsoft.com/office/drawing/2014/main" id="{6DEF15FC-1D53-43AF-825B-1997E380D493}"/>
               </a:ext>
             </a:extLst>
           </p:cNvPr>
@@ -2003,7 +2003,7 @@
           <a:bodyPr/>
           <a:lstStyle/>
           <a:p>
-            <a:fld id="{064F4103-C7AA-4F6B-91EF-41F2E303B712}" type="slidenum">
+            <a:fld id="{FBCAA0B6-DE60-452F-8923-87E4C6F95BB6}" type="slidenum">
               <a:rPr lang="zh-CN" altLang="en-US" smtClean="0"/>
               <a:t>‹#›</a:t>
             </a:fld>
@@ -2014,7 +2014,7 @@
     </p:spTree>
     <p:extLst>
       <p:ext uri="{BB962C8B-B14F-4D97-AF65-F5344CB8AC3E}">
-        <p14:creationId xmlns:p14="http://schemas.microsoft.com/office/powerpoint/2010/main" val="3163458531"/>
+        <p14:creationId xmlns:p14="http://schemas.microsoft.com/office/powerpoint/2010/main" val="2707982218"/>
       </p:ext>
     </p:extLst>
   </p:cSld>
@@ -2046,7 +2046,7 @@
           <p:cNvPr id="2" name="日期占位符 1">
             <a:extLst>
               <a:ext uri="{FF2B5EF4-FFF2-40B4-BE49-F238E27FC236}">
-                <a16:creationId xmlns:a16="http://schemas.microsoft.com/office/drawing/2014/main" id="{E8851ECD-72DD-AE75-F939-17DC357C1729}"/>
+                <a16:creationId xmlns:a16="http://schemas.microsoft.com/office/drawing/2014/main" id="{8AB3CC07-DF41-AFA5-8B62-B8484424B4BF}"/>
               </a:ext>
             </a:extLst>
           </p:cNvPr>
@@ -2062,7 +2062,7 @@
           <a:bodyPr/>
           <a:lstStyle/>
           <a:p>
-            <a:fld id="{3282F57D-AC9F-4768-ABD1-B2BF19724B8B}" type="datetimeFigureOut">
+            <a:fld id="{438E674B-0A66-44EA-98FC-2382D2DB1F03}" type="datetimeFigureOut">
               <a:rPr lang="zh-CN" altLang="en-US" smtClean="0"/>
               <a:t>2024/3/10</a:t>
             </a:fld>
@@ -2075,7 +2075,7 @@
           <p:cNvPr id="3" name="页脚占位符 2">
             <a:extLst>
               <a:ext uri="{FF2B5EF4-FFF2-40B4-BE49-F238E27FC236}">
-                <a16:creationId xmlns:a16="http://schemas.microsoft.com/office/drawing/2014/main" id="{A06D15FB-69D4-EB7C-A250-A8A778F31C6F}"/>
+                <a16:creationId xmlns:a16="http://schemas.microsoft.com/office/drawing/2014/main" id="{E97F87A1-008B-5907-F94F-E4CCF8A4D863}"/>
               </a:ext>
             </a:extLst>
           </p:cNvPr>
@@ -2100,7 +2100,7 @@
           <p:cNvPr id="4" name="灯片编号占位符 3">
             <a:extLst>
               <a:ext uri="{FF2B5EF4-FFF2-40B4-BE49-F238E27FC236}">
-                <a16:creationId xmlns:a16="http://schemas.microsoft.com/office/drawing/2014/main" id="{965942D1-59F2-9476-9E9F-6ED2D752C6AB}"/>
+                <a16:creationId xmlns:a16="http://schemas.microsoft.com/office/drawing/2014/main" id="{20538464-6959-DCBB-A77F-A903713102AC}"/>
               </a:ext>
             </a:extLst>
           </p:cNvPr>
@@ -2116,7 +2116,7 @@
           <a:bodyPr/>
           <a:lstStyle/>
           <a:p>
-            <a:fld id="{064F4103-C7AA-4F6B-91EF-41F2E303B712}" type="slidenum">
+            <a:fld id="{FBCAA0B6-DE60-452F-8923-87E4C6F95BB6}" type="slidenum">
               <a:rPr lang="zh-CN" altLang="en-US" smtClean="0"/>
               <a:t>‹#›</a:t>
             </a:fld>
@@ -2127,7 +2127,7 @@
     </p:spTree>
     <p:extLst>
       <p:ext uri="{BB962C8B-B14F-4D97-AF65-F5344CB8AC3E}">
-        <p14:creationId xmlns:p14="http://schemas.microsoft.com/office/powerpoint/2010/main" val="3733164378"/>
+        <p14:creationId xmlns:p14="http://schemas.microsoft.com/office/powerpoint/2010/main" val="1371515903"/>
       </p:ext>
     </p:extLst>
   </p:cSld>
@@ -2159,7 +2159,7 @@
           <p:cNvPr id="2" name="标题 1">
             <a:extLst>
               <a:ext uri="{FF2B5EF4-FFF2-40B4-BE49-F238E27FC236}">
-                <a16:creationId xmlns:a16="http://schemas.microsoft.com/office/drawing/2014/main" id="{8ADF49F9-59C0-8D29-FAAB-25DEE986D83D}"/>
+                <a16:creationId xmlns:a16="http://schemas.microsoft.com/office/drawing/2014/main" id="{D73F15A1-50C2-5BF9-4698-2142D069E1D3}"/>
               </a:ext>
             </a:extLst>
           </p:cNvPr>
@@ -2196,7 +2196,7 @@
           <p:cNvPr id="3" name="内容占位符 2">
             <a:extLst>
               <a:ext uri="{FF2B5EF4-FFF2-40B4-BE49-F238E27FC236}">
-                <a16:creationId xmlns:a16="http://schemas.microsoft.com/office/drawing/2014/main" id="{70AECA1F-8085-210A-5DEE-45011B29EC86}"/>
+                <a16:creationId xmlns:a16="http://schemas.microsoft.com/office/drawing/2014/main" id="{C186574C-DA82-593D-84FD-84AAC5AB74BD}"/>
               </a:ext>
             </a:extLst>
           </p:cNvPr>
@@ -2286,7 +2286,7 @@
           <p:cNvPr id="4" name="文本占位符 3">
             <a:extLst>
               <a:ext uri="{FF2B5EF4-FFF2-40B4-BE49-F238E27FC236}">
-                <a16:creationId xmlns:a16="http://schemas.microsoft.com/office/drawing/2014/main" id="{67095ECE-AECD-8015-126E-D3A0F8B05116}"/>
+                <a16:creationId xmlns:a16="http://schemas.microsoft.com/office/drawing/2014/main" id="{00F51B08-2027-66A8-43BD-073E927D1113}"/>
               </a:ext>
             </a:extLst>
           </p:cNvPr>
@@ -2357,7 +2357,7 @@
           <p:cNvPr id="5" name="日期占位符 4">
             <a:extLst>
               <a:ext uri="{FF2B5EF4-FFF2-40B4-BE49-F238E27FC236}">
-                <a16:creationId xmlns:a16="http://schemas.microsoft.com/office/drawing/2014/main" id="{D6583500-C519-0F9E-A44F-7DBD7DCD1C4C}"/>
+                <a16:creationId xmlns:a16="http://schemas.microsoft.com/office/drawing/2014/main" id="{79A337F4-2063-CB31-A5FF-B067065F2643}"/>
               </a:ext>
             </a:extLst>
           </p:cNvPr>
@@ -2373,7 +2373,7 @@
           <a:bodyPr/>
           <a:lstStyle/>
           <a:p>
-            <a:fld id="{3282F57D-AC9F-4768-ABD1-B2BF19724B8B}" type="datetimeFigureOut">
+            <a:fld id="{438E674B-0A66-44EA-98FC-2382D2DB1F03}" type="datetimeFigureOut">
               <a:rPr lang="zh-CN" altLang="en-US" smtClean="0"/>
               <a:t>2024/3/10</a:t>
             </a:fld>
@@ -2386,7 +2386,7 @@
           <p:cNvPr id="6" name="页脚占位符 5">
             <a:extLst>
               <a:ext uri="{FF2B5EF4-FFF2-40B4-BE49-F238E27FC236}">
-                <a16:creationId xmlns:a16="http://schemas.microsoft.com/office/drawing/2014/main" id="{CDD2E064-FCE8-731F-1228-F86D697B935A}"/>
+                <a16:creationId xmlns:a16="http://schemas.microsoft.com/office/drawing/2014/main" id="{A1287E90-39E0-7BF8-4513-EA3A6E360C3B}"/>
               </a:ext>
             </a:extLst>
           </p:cNvPr>
@@ -2411,7 +2411,7 @@
           <p:cNvPr id="7" name="灯片编号占位符 6">
             <a:extLst>
               <a:ext uri="{FF2B5EF4-FFF2-40B4-BE49-F238E27FC236}">
-                <a16:creationId xmlns:a16="http://schemas.microsoft.com/office/drawing/2014/main" id="{70B4BFA7-6834-8B4B-1022-9BC7C8B4D17C}"/>
+                <a16:creationId xmlns:a16="http://schemas.microsoft.com/office/drawing/2014/main" id="{F500443A-1E00-2DD4-F5A0-DA4E1C88E06D}"/>
               </a:ext>
             </a:extLst>
           </p:cNvPr>
@@ -2427,7 +2427,7 @@
           <a:bodyPr/>
           <a:lstStyle/>
           <a:p>
-            <a:fld id="{064F4103-C7AA-4F6B-91EF-41F2E303B712}" type="slidenum">
+            <a:fld id="{FBCAA0B6-DE60-452F-8923-87E4C6F95BB6}" type="slidenum">
               <a:rPr lang="zh-CN" altLang="en-US" smtClean="0"/>
               <a:t>‹#›</a:t>
             </a:fld>
@@ -2438,7 +2438,7 @@
     </p:spTree>
     <p:extLst>
       <p:ext uri="{BB962C8B-B14F-4D97-AF65-F5344CB8AC3E}">
-        <p14:creationId xmlns:p14="http://schemas.microsoft.com/office/powerpoint/2010/main" val="2825797643"/>
+        <p14:creationId xmlns:p14="http://schemas.microsoft.com/office/powerpoint/2010/main" val="1453698565"/>
       </p:ext>
     </p:extLst>
   </p:cSld>
@@ -2470,7 +2470,7 @@
           <p:cNvPr id="2" name="标题 1">
             <a:extLst>
               <a:ext uri="{FF2B5EF4-FFF2-40B4-BE49-F238E27FC236}">
-                <a16:creationId xmlns:a16="http://schemas.microsoft.com/office/drawing/2014/main" id="{E66AD423-A31E-BE68-B1FB-86944BBF2341}"/>
+                <a16:creationId xmlns:a16="http://schemas.microsoft.com/office/drawing/2014/main" id="{09A8EC46-60A3-6AFF-9A9A-108A110E84E3}"/>
               </a:ext>
             </a:extLst>
           </p:cNvPr>
@@ -2507,7 +2507,7 @@
           <p:cNvPr id="3" name="图片占位符 2">
             <a:extLst>
               <a:ext uri="{FF2B5EF4-FFF2-40B4-BE49-F238E27FC236}">
-                <a16:creationId xmlns:a16="http://schemas.microsoft.com/office/drawing/2014/main" id="{EF957689-E185-AF35-CCC9-FCD5A33C95AC}"/>
+                <a16:creationId xmlns:a16="http://schemas.microsoft.com/office/drawing/2014/main" id="{27051EA3-0AB5-551C-8497-86EC58932436}"/>
               </a:ext>
             </a:extLst>
           </p:cNvPr>
@@ -2574,7 +2574,7 @@
           <p:cNvPr id="4" name="文本占位符 3">
             <a:extLst>
               <a:ext uri="{FF2B5EF4-FFF2-40B4-BE49-F238E27FC236}">
-                <a16:creationId xmlns:a16="http://schemas.microsoft.com/office/drawing/2014/main" id="{8E5743A5-4333-7BDB-B22D-0ACFEEB06C8F}"/>
+                <a16:creationId xmlns:a16="http://schemas.microsoft.com/office/drawing/2014/main" id="{C29158EB-45AB-C701-3B21-3CAD02E8DCAA}"/>
               </a:ext>
             </a:extLst>
           </p:cNvPr>
@@ -2645,7 +2645,7 @@
           <p:cNvPr id="5" name="日期占位符 4">
             <a:extLst>
               <a:ext uri="{FF2B5EF4-FFF2-40B4-BE49-F238E27FC236}">
-                <a16:creationId xmlns:a16="http://schemas.microsoft.com/office/drawing/2014/main" id="{DAC48652-E277-B9B7-5C22-A3B728B0D5FB}"/>
+                <a16:creationId xmlns:a16="http://schemas.microsoft.com/office/drawing/2014/main" id="{E73AA23C-DE6D-D1B5-0E47-AF88F76E28EF}"/>
               </a:ext>
             </a:extLst>
           </p:cNvPr>
@@ -2661,7 +2661,7 @@
           <a:bodyPr/>
           <a:lstStyle/>
           <a:p>
-            <a:fld id="{3282F57D-AC9F-4768-ABD1-B2BF19724B8B}" type="datetimeFigureOut">
+            <a:fld id="{438E674B-0A66-44EA-98FC-2382D2DB1F03}" type="datetimeFigureOut">
               <a:rPr lang="zh-CN" altLang="en-US" smtClean="0"/>
               <a:t>2024/3/10</a:t>
             </a:fld>
@@ -2674,7 +2674,7 @@
           <p:cNvPr id="6" name="页脚占位符 5">
             <a:extLst>
               <a:ext uri="{FF2B5EF4-FFF2-40B4-BE49-F238E27FC236}">
-                <a16:creationId xmlns:a16="http://schemas.microsoft.com/office/drawing/2014/main" id="{5F2CE466-CEE2-9BCC-0172-FED17A3641A9}"/>
+                <a16:creationId xmlns:a16="http://schemas.microsoft.com/office/drawing/2014/main" id="{A566D714-72D4-C76E-1A3F-E9C8542A66FF}"/>
               </a:ext>
             </a:extLst>
           </p:cNvPr>
@@ -2699,7 +2699,7 @@
           <p:cNvPr id="7" name="灯片编号占位符 6">
             <a:extLst>
               <a:ext uri="{FF2B5EF4-FFF2-40B4-BE49-F238E27FC236}">
-                <a16:creationId xmlns:a16="http://schemas.microsoft.com/office/drawing/2014/main" id="{C9465F80-9766-F37B-50FF-B7E1B542F11F}"/>
+                <a16:creationId xmlns:a16="http://schemas.microsoft.com/office/drawing/2014/main" id="{5B4A8B50-6CDF-246D-BF1C-F68524611AE5}"/>
               </a:ext>
             </a:extLst>
           </p:cNvPr>
@@ -2715,7 +2715,7 @@
           <a:bodyPr/>
           <a:lstStyle/>
           <a:p>
-            <a:fld id="{064F4103-C7AA-4F6B-91EF-41F2E303B712}" type="slidenum">
+            <a:fld id="{FBCAA0B6-DE60-452F-8923-87E4C6F95BB6}" type="slidenum">
               <a:rPr lang="zh-CN" altLang="en-US" smtClean="0"/>
               <a:t>‹#›</a:t>
             </a:fld>
@@ -2726,7 +2726,7 @@
     </p:spTree>
     <p:extLst>
       <p:ext uri="{BB962C8B-B14F-4D97-AF65-F5344CB8AC3E}">
-        <p14:creationId xmlns:p14="http://schemas.microsoft.com/office/powerpoint/2010/main" val="156517170"/>
+        <p14:creationId xmlns:p14="http://schemas.microsoft.com/office/powerpoint/2010/main" val="3053961278"/>
       </p:ext>
     </p:extLst>
   </p:cSld>
@@ -2763,7 +2763,7 @@
           <p:cNvPr id="2" name="标题占位符 1">
             <a:extLst>
               <a:ext uri="{FF2B5EF4-FFF2-40B4-BE49-F238E27FC236}">
-                <a16:creationId xmlns:a16="http://schemas.microsoft.com/office/drawing/2014/main" id="{B6B1954F-87E0-83AA-A194-D3DAABE6D0A2}"/>
+                <a16:creationId xmlns:a16="http://schemas.microsoft.com/office/drawing/2014/main" id="{CFE943B4-40A3-7AF4-2A46-104D7CBE6A00}"/>
               </a:ext>
             </a:extLst>
           </p:cNvPr>
@@ -2801,7 +2801,7 @@
           <p:cNvPr id="3" name="文本占位符 2">
             <a:extLst>
               <a:ext uri="{FF2B5EF4-FFF2-40B4-BE49-F238E27FC236}">
-                <a16:creationId xmlns:a16="http://schemas.microsoft.com/office/drawing/2014/main" id="{D8965955-05A8-0FF8-32EA-DEEDCE037D10}"/>
+                <a16:creationId xmlns:a16="http://schemas.microsoft.com/office/drawing/2014/main" id="{6456830D-F321-2847-0E02-30928E3E52C4}"/>
               </a:ext>
             </a:extLst>
           </p:cNvPr>
@@ -2868,7 +2868,7 @@
           <p:cNvPr id="4" name="日期占位符 3">
             <a:extLst>
               <a:ext uri="{FF2B5EF4-FFF2-40B4-BE49-F238E27FC236}">
-                <a16:creationId xmlns:a16="http://schemas.microsoft.com/office/drawing/2014/main" id="{FD42F47A-1A76-4ACE-22E3-51BC63AE712F}"/>
+                <a16:creationId xmlns:a16="http://schemas.microsoft.com/office/drawing/2014/main" id="{CC7A85B8-CDD6-8157-1BAA-EA232EEFA49E}"/>
               </a:ext>
             </a:extLst>
           </p:cNvPr>
@@ -2902,7 +2902,7 @@
             </a:lvl1pPr>
           </a:lstStyle>
           <a:p>
-            <a:fld id="{3282F57D-AC9F-4768-ABD1-B2BF19724B8B}" type="datetimeFigureOut">
+            <a:fld id="{438E674B-0A66-44EA-98FC-2382D2DB1F03}" type="datetimeFigureOut">
               <a:rPr lang="zh-CN" altLang="en-US" smtClean="0"/>
               <a:t>2024/3/10</a:t>
             </a:fld>
@@ -2915,7 +2915,7 @@
           <p:cNvPr id="5" name="页脚占位符 4">
             <a:extLst>
               <a:ext uri="{FF2B5EF4-FFF2-40B4-BE49-F238E27FC236}">
-                <a16:creationId xmlns:a16="http://schemas.microsoft.com/office/drawing/2014/main" id="{C574EA21-46CF-BF1E-B3DB-5DCBCFDE5CF8}"/>
+                <a16:creationId xmlns:a16="http://schemas.microsoft.com/office/drawing/2014/main" id="{F674557A-1EFB-1C87-1768-A833906DCCEF}"/>
               </a:ext>
             </a:extLst>
           </p:cNvPr>
@@ -2958,7 +2958,7 @@
           <p:cNvPr id="6" name="灯片编号占位符 5">
             <a:extLst>
               <a:ext uri="{FF2B5EF4-FFF2-40B4-BE49-F238E27FC236}">
-                <a16:creationId xmlns:a16="http://schemas.microsoft.com/office/drawing/2014/main" id="{0C965D68-F544-15EB-502A-B88429C132F5}"/>
+                <a16:creationId xmlns:a16="http://schemas.microsoft.com/office/drawing/2014/main" id="{A2BDDB10-2694-314F-46DD-82336D0D6F92}"/>
               </a:ext>
             </a:extLst>
           </p:cNvPr>
@@ -2992,7 +2992,7 @@
             </a:lvl1pPr>
           </a:lstStyle>
           <a:p>
-            <a:fld id="{064F4103-C7AA-4F6B-91EF-41F2E303B712}" type="slidenum">
+            <a:fld id="{FBCAA0B6-DE60-452F-8923-87E4C6F95BB6}" type="slidenum">
               <a:rPr lang="zh-CN" altLang="en-US" smtClean="0"/>
               <a:t>‹#›</a:t>
             </a:fld>
@@ -3003,7 +3003,7 @@
     </p:spTree>
     <p:extLst>
       <p:ext uri="{BB962C8B-B14F-4D97-AF65-F5344CB8AC3E}">
-        <p14:creationId xmlns:p14="http://schemas.microsoft.com/office/powerpoint/2010/main" val="1340257992"/>
+        <p14:creationId xmlns:p14="http://schemas.microsoft.com/office/powerpoint/2010/main" val="2327258008"/>
       </p:ext>
     </p:extLst>
   </p:cSld>
